--- a/software/arduino/State_Machine_Planning.pptx
+++ b/software/arduino/State_Machine_Planning.pptx
@@ -104,6 +104,11 @@
       </a:defRPr>
     </a:lvl9pPr>
   </p:defaultTextStyle>
+  <p:extLst>
+    <p:ext uri="{EFAFB233-063F-42B5-8137-9DF3F51BA10A}">
+      <p15:sldGuideLst xmlns:p15="http://schemas.microsoft.com/office/powerpoint/2012/main"/>
+    </p:ext>
+  </p:extLst>
 </p:presentation>
 </file>
 
@@ -238,7 +243,7 @@
           <a:p>
             <a:fld id="{E060C6BB-5B77-4107-AC7C-6601D2D7FE1C}" type="datetimeFigureOut">
               <a:rPr lang="en-US" smtClean="0"/>
-              <a:t>6/6/2019</a:t>
+              <a:t>6/9/2019</a:t>
             </a:fld>
             <a:endParaRPr lang="en-US"/>
           </a:p>
@@ -408,7 +413,7 @@
           <a:p>
             <a:fld id="{E060C6BB-5B77-4107-AC7C-6601D2D7FE1C}" type="datetimeFigureOut">
               <a:rPr lang="en-US" smtClean="0"/>
-              <a:t>6/6/2019</a:t>
+              <a:t>6/9/2019</a:t>
             </a:fld>
             <a:endParaRPr lang="en-US"/>
           </a:p>
@@ -588,7 +593,7 @@
           <a:p>
             <a:fld id="{E060C6BB-5B77-4107-AC7C-6601D2D7FE1C}" type="datetimeFigureOut">
               <a:rPr lang="en-US" smtClean="0"/>
-              <a:t>6/6/2019</a:t>
+              <a:t>6/9/2019</a:t>
             </a:fld>
             <a:endParaRPr lang="en-US"/>
           </a:p>
@@ -758,7 +763,7 @@
           <a:p>
             <a:fld id="{E060C6BB-5B77-4107-AC7C-6601D2D7FE1C}" type="datetimeFigureOut">
               <a:rPr lang="en-US" smtClean="0"/>
-              <a:t>6/6/2019</a:t>
+              <a:t>6/9/2019</a:t>
             </a:fld>
             <a:endParaRPr lang="en-US"/>
           </a:p>
@@ -1004,7 +1009,7 @@
           <a:p>
             <a:fld id="{E060C6BB-5B77-4107-AC7C-6601D2D7FE1C}" type="datetimeFigureOut">
               <a:rPr lang="en-US" smtClean="0"/>
-              <a:t>6/6/2019</a:t>
+              <a:t>6/9/2019</a:t>
             </a:fld>
             <a:endParaRPr lang="en-US"/>
           </a:p>
@@ -1236,7 +1241,7 @@
           <a:p>
             <a:fld id="{E060C6BB-5B77-4107-AC7C-6601D2D7FE1C}" type="datetimeFigureOut">
               <a:rPr lang="en-US" smtClean="0"/>
-              <a:t>6/6/2019</a:t>
+              <a:t>6/9/2019</a:t>
             </a:fld>
             <a:endParaRPr lang="en-US"/>
           </a:p>
@@ -1603,7 +1608,7 @@
           <a:p>
             <a:fld id="{E060C6BB-5B77-4107-AC7C-6601D2D7FE1C}" type="datetimeFigureOut">
               <a:rPr lang="en-US" smtClean="0"/>
-              <a:t>6/6/2019</a:t>
+              <a:t>6/9/2019</a:t>
             </a:fld>
             <a:endParaRPr lang="en-US"/>
           </a:p>
@@ -1721,7 +1726,7 @@
           <a:p>
             <a:fld id="{E060C6BB-5B77-4107-AC7C-6601D2D7FE1C}" type="datetimeFigureOut">
               <a:rPr lang="en-US" smtClean="0"/>
-              <a:t>6/6/2019</a:t>
+              <a:t>6/9/2019</a:t>
             </a:fld>
             <a:endParaRPr lang="en-US"/>
           </a:p>
@@ -1816,7 +1821,7 @@
           <a:p>
             <a:fld id="{E060C6BB-5B77-4107-AC7C-6601D2D7FE1C}" type="datetimeFigureOut">
               <a:rPr lang="en-US" smtClean="0"/>
-              <a:t>6/6/2019</a:t>
+              <a:t>6/9/2019</a:t>
             </a:fld>
             <a:endParaRPr lang="en-US"/>
           </a:p>
@@ -2093,7 +2098,7 @@
           <a:p>
             <a:fld id="{E060C6BB-5B77-4107-AC7C-6601D2D7FE1C}" type="datetimeFigureOut">
               <a:rPr lang="en-US" smtClean="0"/>
-              <a:t>6/6/2019</a:t>
+              <a:t>6/9/2019</a:t>
             </a:fld>
             <a:endParaRPr lang="en-US"/>
           </a:p>
@@ -2346,7 +2351,7 @@
           <a:p>
             <a:fld id="{E060C6BB-5B77-4107-AC7C-6601D2D7FE1C}" type="datetimeFigureOut">
               <a:rPr lang="en-US" smtClean="0"/>
-              <a:t>6/6/2019</a:t>
+              <a:t>6/9/2019</a:t>
             </a:fld>
             <a:endParaRPr lang="en-US"/>
           </a:p>
@@ -2559,7 +2564,7 @@
           <a:p>
             <a:fld id="{E060C6BB-5B77-4107-AC7C-6601D2D7FE1C}" type="datetimeFigureOut">
               <a:rPr lang="en-US" smtClean="0"/>
-              <a:t>6/6/2019</a:t>
+              <a:t>6/9/2019</a:t>
             </a:fld>
             <a:endParaRPr lang="en-US"/>
           </a:p>
@@ -3015,13 +3020,269 @@
           <p:cNvPr id="9" name="Straight Arrow Connector 8"/>
           <p:cNvCxnSpPr>
             <a:stCxn id="5" idx="3"/>
+            <a:endCxn id="13" idx="0"/>
           </p:cNvCxnSpPr>
           <p:nvPr/>
         </p:nvCxnSpPr>
         <p:spPr>
           <a:xfrm>
             <a:off x="3810000" y="1037398"/>
-            <a:ext cx="1998133" cy="97135"/>
+            <a:ext cx="3111500" cy="63141"/>
+          </a:xfrm>
+          <a:prstGeom prst="straightConnector1">
+            <a:avLst/>
+          </a:prstGeom>
+          <a:ln>
+            <a:tailEnd type="triangle"/>
+          </a:ln>
+        </p:spPr>
+        <p:style>
+          <a:lnRef idx="1">
+            <a:schemeClr val="dk1"/>
+          </a:lnRef>
+          <a:fillRef idx="0">
+            <a:schemeClr val="dk1"/>
+          </a:fillRef>
+          <a:effectRef idx="0">
+            <a:schemeClr val="dk1"/>
+          </a:effectRef>
+          <a:fontRef idx="minor">
+            <a:schemeClr val="tx1"/>
+          </a:fontRef>
+        </p:style>
+      </p:cxnSp>
+      <p:sp>
+        <p:nvSpPr>
+          <p:cNvPr id="13" name="TextBox 12"/>
+          <p:cNvSpPr txBox="1"/>
+          <p:nvPr/>
+        </p:nvSpPr>
+        <p:spPr>
+          <a:xfrm>
+            <a:off x="5266266" y="1100539"/>
+            <a:ext cx="3310467" cy="923330"/>
+          </a:xfrm>
+          <a:prstGeom prst="rect">
+            <a:avLst/>
+          </a:prstGeom>
+          <a:noFill/>
+          <a:ln>
+            <a:solidFill>
+              <a:schemeClr val="tx1"/>
+            </a:solidFill>
+          </a:ln>
+        </p:spPr>
+        <p:txBody>
+          <a:bodyPr wrap="square" rtlCol="0">
+            <a:spAutoFit/>
+          </a:bodyPr>
+          <a:lstStyle/>
+          <a:p>
+            <a:pPr algn="ctr"/>
+            <a:r>
+              <a:rPr lang="en-US" sz="3600" b="1" dirty="0" smtClean="0"/>
+              <a:t>Search</a:t>
+            </a:r>
+          </a:p>
+          <a:p>
+            <a:pPr marL="285750" indent="-285750">
+              <a:buFont typeface="Arial" panose="020B0604020202020204" pitchFamily="34" charset="0"/>
+              <a:buChar char="•"/>
+            </a:pPr>
+            <a:r>
+              <a:rPr lang="en-US" dirty="0" smtClean="0"/>
+              <a:t>Sweep, spin, move, etc.</a:t>
+            </a:r>
+          </a:p>
+        </p:txBody>
+      </p:sp>
+      <p:sp>
+        <p:nvSpPr>
+          <p:cNvPr id="3" name="TextBox 2"/>
+          <p:cNvSpPr txBox="1"/>
+          <p:nvPr/>
+        </p:nvSpPr>
+        <p:spPr>
+          <a:xfrm>
+            <a:off x="389466" y="4636531"/>
+            <a:ext cx="3606800" cy="2031325"/>
+          </a:xfrm>
+          <a:prstGeom prst="rect">
+            <a:avLst/>
+          </a:prstGeom>
+          <a:noFill/>
+          <a:ln>
+            <a:solidFill>
+              <a:schemeClr val="tx1"/>
+            </a:solidFill>
+          </a:ln>
+        </p:spPr>
+        <p:txBody>
+          <a:bodyPr wrap="square" rtlCol="0">
+            <a:spAutoFit/>
+          </a:bodyPr>
+          <a:lstStyle/>
+          <a:p>
+            <a:pPr algn="ctr"/>
+            <a:r>
+              <a:rPr lang="en-US" sz="3600" b="1" dirty="0" smtClean="0"/>
+              <a:t>Retreat</a:t>
+            </a:r>
+          </a:p>
+          <a:p>
+            <a:pPr marL="285750" indent="-285750">
+              <a:buFont typeface="Arial" panose="020B0604020202020204" pitchFamily="34" charset="0"/>
+              <a:buChar char="•"/>
+            </a:pPr>
+            <a:r>
+              <a:rPr lang="en-US" dirty="0" smtClean="0"/>
+              <a:t>Back up and turn to get away from edge</a:t>
+            </a:r>
+          </a:p>
+          <a:p>
+            <a:pPr marL="285750" indent="-285750">
+              <a:buFont typeface="Arial" panose="020B0604020202020204" pitchFamily="34" charset="0"/>
+              <a:buChar char="•"/>
+            </a:pPr>
+            <a:r>
+              <a:rPr lang="en-US" dirty="0" smtClean="0"/>
+              <a:t>If we end up with multiple IR sensors, this should be smart and turn in appropriate direction</a:t>
+            </a:r>
+            <a:endParaRPr lang="en-US" dirty="0"/>
+          </a:p>
+        </p:txBody>
+      </p:sp>
+      <p:sp>
+        <p:nvSpPr>
+          <p:cNvPr id="4" name="TextBox 3"/>
+          <p:cNvSpPr txBox="1"/>
+          <p:nvPr/>
+        </p:nvSpPr>
+        <p:spPr>
+          <a:xfrm>
+            <a:off x="8305799" y="5642464"/>
+            <a:ext cx="3793066" cy="923330"/>
+          </a:xfrm>
+          <a:prstGeom prst="rect">
+            <a:avLst/>
+          </a:prstGeom>
+          <a:noFill/>
+          <a:ln>
+            <a:solidFill>
+              <a:schemeClr val="tx1"/>
+            </a:solidFill>
+          </a:ln>
+        </p:spPr>
+        <p:txBody>
+          <a:bodyPr wrap="square" rtlCol="0">
+            <a:spAutoFit/>
+          </a:bodyPr>
+          <a:lstStyle/>
+          <a:p>
+            <a:pPr algn="ctr"/>
+            <a:r>
+              <a:rPr lang="en-US" sz="3600" b="1" dirty="0" smtClean="0"/>
+              <a:t>Attack</a:t>
+            </a:r>
+          </a:p>
+          <a:p>
+            <a:pPr marL="285750" indent="-285750">
+              <a:buFont typeface="Arial" panose="020B0604020202020204" pitchFamily="34" charset="0"/>
+              <a:buChar char="•"/>
+            </a:pPr>
+            <a:r>
+              <a:rPr lang="en-US" dirty="0" smtClean="0"/>
+              <a:t>Move toward enemy at top speed</a:t>
+            </a:r>
+            <a:endParaRPr lang="en-US" dirty="0"/>
+          </a:p>
+        </p:txBody>
+      </p:sp>
+      <p:cxnSp>
+        <p:nvCxnSpPr>
+          <p:cNvPr id="8" name="Straight Arrow Connector 7"/>
+          <p:cNvCxnSpPr>
+            <a:stCxn id="13" idx="2"/>
+            <a:endCxn id="3" idx="0"/>
+          </p:cNvCxnSpPr>
+          <p:nvPr/>
+        </p:nvCxnSpPr>
+        <p:spPr>
+          <a:xfrm flipH="1">
+            <a:off x="2192866" y="2023869"/>
+            <a:ext cx="4728634" cy="2612662"/>
+          </a:xfrm>
+          <a:prstGeom prst="straightConnector1">
+            <a:avLst/>
+          </a:prstGeom>
+          <a:ln>
+            <a:tailEnd type="triangle"/>
+          </a:ln>
+        </p:spPr>
+        <p:style>
+          <a:lnRef idx="1">
+            <a:schemeClr val="dk1"/>
+          </a:lnRef>
+          <a:fillRef idx="0">
+            <a:schemeClr val="dk1"/>
+          </a:fillRef>
+          <a:effectRef idx="0">
+            <a:schemeClr val="dk1"/>
+          </a:effectRef>
+          <a:fontRef idx="minor">
+            <a:schemeClr val="tx1"/>
+          </a:fontRef>
+        </p:style>
+      </p:cxnSp>
+      <p:cxnSp>
+        <p:nvCxnSpPr>
+          <p:cNvPr id="11" name="Straight Arrow Connector 10"/>
+          <p:cNvCxnSpPr>
+            <a:stCxn id="13" idx="2"/>
+            <a:endCxn id="4" idx="0"/>
+          </p:cNvCxnSpPr>
+          <p:nvPr/>
+        </p:nvCxnSpPr>
+        <p:spPr>
+          <a:xfrm>
+            <a:off x="6921500" y="2023869"/>
+            <a:ext cx="3280832" cy="3618595"/>
+          </a:xfrm>
+          <a:prstGeom prst="straightConnector1">
+            <a:avLst/>
+          </a:prstGeom>
+          <a:ln>
+            <a:tailEnd type="triangle"/>
+          </a:ln>
+        </p:spPr>
+        <p:style>
+          <a:lnRef idx="1">
+            <a:schemeClr val="dk1"/>
+          </a:lnRef>
+          <a:fillRef idx="0">
+            <a:schemeClr val="dk1"/>
+          </a:fillRef>
+          <a:effectRef idx="0">
+            <a:schemeClr val="dk1"/>
+          </a:effectRef>
+          <a:fontRef idx="minor">
+            <a:schemeClr val="tx1"/>
+          </a:fontRef>
+        </p:style>
+      </p:cxnSp>
+      <p:cxnSp>
+        <p:nvCxnSpPr>
+          <p:cNvPr id="14" name="Straight Arrow Connector 13"/>
+          <p:cNvCxnSpPr>
+            <a:stCxn id="4" idx="0"/>
+            <a:endCxn id="4" idx="0"/>
+          </p:cNvCxnSpPr>
+          <p:nvPr/>
+        </p:nvCxnSpPr>
+        <p:spPr>
+          <a:xfrm>
+            <a:off x="10202332" y="5642464"/>
+            <a:ext cx="0" cy="0"/>
           </a:xfrm>
           <a:prstGeom prst="straightConnector1">
             <a:avLst/>
@@ -3045,16 +3306,52 @@
           </a:fontRef>
         </p:style>
       </p:cxnSp>
-      <p:sp>
-        <p:nvSpPr>
-          <p:cNvPr id="13" name="TextBox 12"/>
+      <p:cxnSp>
+        <p:nvCxnSpPr>
+          <p:cNvPr id="16" name="Straight Arrow Connector 15"/>
+          <p:cNvCxnSpPr>
+            <a:stCxn id="4" idx="1"/>
+            <a:endCxn id="3" idx="3"/>
+          </p:cNvCxnSpPr>
+          <p:nvPr/>
+        </p:nvCxnSpPr>
+        <p:spPr>
+          <a:xfrm flipH="1" flipV="1">
+            <a:off x="3996266" y="5652194"/>
+            <a:ext cx="4309533" cy="451935"/>
+          </a:xfrm>
+          <a:prstGeom prst="straightConnector1">
+            <a:avLst/>
+          </a:prstGeom>
+          <a:ln>
+            <a:tailEnd type="triangle"/>
+          </a:ln>
+        </p:spPr>
+        <p:style>
+          <a:lnRef idx="1">
+            <a:schemeClr val="dk1"/>
+          </a:lnRef>
+          <a:fillRef idx="0">
+            <a:schemeClr val="dk1"/>
+          </a:fillRef>
+          <a:effectRef idx="0">
+            <a:schemeClr val="dk1"/>
+          </a:effectRef>
+          <a:fontRef idx="minor">
+            <a:schemeClr val="tx1"/>
+          </a:fontRef>
+        </p:style>
+      </p:cxnSp>
+      <p:sp>
+        <p:nvSpPr>
+          <p:cNvPr id="17" name="TextBox 16"/>
           <p:cNvSpPr txBox="1"/>
           <p:nvPr/>
         </p:nvSpPr>
         <p:spPr>
           <a:xfrm>
-            <a:off x="5808133" y="575733"/>
-            <a:ext cx="3310467" cy="923330"/>
+            <a:off x="3003547" y="3280769"/>
+            <a:ext cx="1193800" cy="646331"/>
           </a:xfrm>
           <a:prstGeom prst="rect">
             <a:avLst/>
@@ -3072,20 +3369,218 @@
           </a:bodyPr>
           <a:lstStyle/>
           <a:p>
-            <a:pPr algn="ctr"/>
-            <a:r>
-              <a:rPr lang="en-US" sz="3600" b="1" dirty="0" smtClean="0"/>
-              <a:t>Search</a:t>
-            </a:r>
-          </a:p>
-          <a:p>
-            <a:pPr marL="285750" indent="-285750">
-              <a:buFont typeface="Arial" panose="020B0604020202020204" pitchFamily="34" charset="0"/>
-              <a:buChar char="•"/>
-            </a:pPr>
             <a:r>
               <a:rPr lang="en-US" dirty="0" smtClean="0"/>
-              <a:t>Sweep, spin, move, etc.</a:t>
+              <a:t>IR detects white line</a:t>
+            </a:r>
+            <a:endParaRPr lang="en-US" dirty="0"/>
+          </a:p>
+        </p:txBody>
+      </p:sp>
+      <p:sp>
+        <p:nvSpPr>
+          <p:cNvPr id="18" name="TextBox 17"/>
+          <p:cNvSpPr txBox="1"/>
+          <p:nvPr/>
+        </p:nvSpPr>
+        <p:spPr>
+          <a:xfrm>
+            <a:off x="8576733" y="4313365"/>
+            <a:ext cx="1913467" cy="369332"/>
+          </a:xfrm>
+          <a:prstGeom prst="rect">
+            <a:avLst/>
+          </a:prstGeom>
+          <a:noFill/>
+          <a:ln>
+            <a:solidFill>
+              <a:schemeClr val="tx1"/>
+            </a:solidFill>
+          </a:ln>
+        </p:spPr>
+        <p:txBody>
+          <a:bodyPr wrap="square" rtlCol="0">
+            <a:spAutoFit/>
+          </a:bodyPr>
+          <a:lstStyle/>
+          <a:p>
+            <a:r>
+              <a:rPr lang="en-US" dirty="0" smtClean="0"/>
+              <a:t>Detect enemy bot</a:t>
+            </a:r>
+          </a:p>
+        </p:txBody>
+      </p:sp>
+      <p:sp>
+        <p:nvSpPr>
+          <p:cNvPr id="19" name="TextBox 18"/>
+          <p:cNvSpPr txBox="1"/>
+          <p:nvPr/>
+        </p:nvSpPr>
+        <p:spPr>
+          <a:xfrm>
+            <a:off x="5145617" y="5447392"/>
+            <a:ext cx="1913467" cy="646331"/>
+          </a:xfrm>
+          <a:prstGeom prst="rect">
+            <a:avLst/>
+          </a:prstGeom>
+          <a:noFill/>
+          <a:ln>
+            <a:solidFill>
+              <a:schemeClr val="tx1"/>
+            </a:solidFill>
+          </a:ln>
+        </p:spPr>
+        <p:txBody>
+          <a:bodyPr wrap="square" rtlCol="0">
+            <a:spAutoFit/>
+          </a:bodyPr>
+          <a:lstStyle/>
+          <a:p>
+            <a:r>
+              <a:rPr lang="en-US" dirty="0" smtClean="0"/>
+              <a:t>IR detects white line</a:t>
+            </a:r>
+          </a:p>
+        </p:txBody>
+      </p:sp>
+      <p:cxnSp>
+        <p:nvCxnSpPr>
+          <p:cNvPr id="21" name="Straight Arrow Connector 20"/>
+          <p:cNvCxnSpPr>
+            <a:stCxn id="3" idx="3"/>
+            <a:endCxn id="13" idx="2"/>
+          </p:cNvCxnSpPr>
+          <p:nvPr/>
+        </p:nvCxnSpPr>
+        <p:spPr>
+          <a:xfrm flipV="1">
+            <a:off x="3996266" y="2023869"/>
+            <a:ext cx="2925234" cy="3628325"/>
+          </a:xfrm>
+          <a:prstGeom prst="straightConnector1">
+            <a:avLst/>
+          </a:prstGeom>
+          <a:ln>
+            <a:tailEnd type="triangle"/>
+          </a:ln>
+        </p:spPr>
+        <p:style>
+          <a:lnRef idx="1">
+            <a:schemeClr val="dk1"/>
+          </a:lnRef>
+          <a:fillRef idx="0">
+            <a:schemeClr val="dk1"/>
+          </a:fillRef>
+          <a:effectRef idx="0">
+            <a:schemeClr val="dk1"/>
+          </a:effectRef>
+          <a:fontRef idx="minor">
+            <a:schemeClr val="tx1"/>
+          </a:fontRef>
+        </p:style>
+      </p:cxnSp>
+      <p:sp>
+        <p:nvSpPr>
+          <p:cNvPr id="22" name="TextBox 21"/>
+          <p:cNvSpPr txBox="1"/>
+          <p:nvPr/>
+        </p:nvSpPr>
+        <p:spPr>
+          <a:xfrm>
+            <a:off x="4983685" y="3557768"/>
+            <a:ext cx="1022352" cy="369332"/>
+          </a:xfrm>
+          <a:prstGeom prst="rect">
+            <a:avLst/>
+          </a:prstGeom>
+          <a:noFill/>
+          <a:ln>
+            <a:solidFill>
+              <a:schemeClr val="tx1"/>
+            </a:solidFill>
+          </a:ln>
+        </p:spPr>
+        <p:txBody>
+          <a:bodyPr wrap="square" rtlCol="0">
+            <a:spAutoFit/>
+          </a:bodyPr>
+          <a:lstStyle/>
+          <a:p>
+            <a:r>
+              <a:rPr lang="en-US" dirty="0" smtClean="0"/>
+              <a:t>Timeout</a:t>
+            </a:r>
+          </a:p>
+        </p:txBody>
+      </p:sp>
+      <p:cxnSp>
+        <p:nvCxnSpPr>
+          <p:cNvPr id="24" name="Straight Arrow Connector 23"/>
+          <p:cNvCxnSpPr>
+            <a:stCxn id="4" idx="1"/>
+            <a:endCxn id="13" idx="2"/>
+          </p:cNvCxnSpPr>
+          <p:nvPr/>
+        </p:nvCxnSpPr>
+        <p:spPr>
+          <a:xfrm flipH="1" flipV="1">
+            <a:off x="6921500" y="2023869"/>
+            <a:ext cx="1384299" cy="4080260"/>
+          </a:xfrm>
+          <a:prstGeom prst="straightConnector1">
+            <a:avLst/>
+          </a:prstGeom>
+          <a:ln>
+            <a:tailEnd type="triangle"/>
+          </a:ln>
+        </p:spPr>
+        <p:style>
+          <a:lnRef idx="1">
+            <a:schemeClr val="dk1"/>
+          </a:lnRef>
+          <a:fillRef idx="0">
+            <a:schemeClr val="dk1"/>
+          </a:fillRef>
+          <a:effectRef idx="0">
+            <a:schemeClr val="dk1"/>
+          </a:effectRef>
+          <a:fontRef idx="minor">
+            <a:schemeClr val="tx1"/>
+          </a:fontRef>
+        </p:style>
+      </p:cxnSp>
+      <p:sp>
+        <p:nvSpPr>
+          <p:cNvPr id="25" name="TextBox 24"/>
+          <p:cNvSpPr txBox="1"/>
+          <p:nvPr/>
+        </p:nvSpPr>
+        <p:spPr>
+          <a:xfrm>
+            <a:off x="7059084" y="3465435"/>
+            <a:ext cx="1022352" cy="923330"/>
+          </a:xfrm>
+          <a:prstGeom prst="rect">
+            <a:avLst/>
+          </a:prstGeom>
+          <a:noFill/>
+          <a:ln>
+            <a:solidFill>
+              <a:schemeClr val="tx1"/>
+            </a:solidFill>
+          </a:ln>
+        </p:spPr>
+        <p:txBody>
+          <a:bodyPr wrap="square" rtlCol="0">
+            <a:spAutoFit/>
+          </a:bodyPr>
+          <a:lstStyle/>
+          <a:p>
+            <a:r>
+              <a:rPr lang="en-US" dirty="0" smtClean="0"/>
+              <a:t>Enemy not in front</a:t>
             </a:r>
           </a:p>
         </p:txBody>
